--- a/msc/AMS Presentation.pptx
+++ b/msc/AMS Presentation.pptx
@@ -5,7 +5,7 @@
     <p:sldMasterId id="2147483648" r:id="rId1"/>
   </p:sldMasterIdLst>
   <p:notesMasterIdLst>
-    <p:notesMasterId r:id="rId17"/>
+    <p:notesMasterId r:id="rId19"/>
   </p:notesMasterIdLst>
   <p:sldIdLst>
     <p:sldId id="256" r:id="rId2"/>
@@ -21,8 +21,10 @@
     <p:sldId id="266" r:id="rId12"/>
     <p:sldId id="267" r:id="rId13"/>
     <p:sldId id="271" r:id="rId14"/>
-    <p:sldId id="269" r:id="rId15"/>
-    <p:sldId id="270" r:id="rId16"/>
+    <p:sldId id="272" r:id="rId15"/>
+    <p:sldId id="269" r:id="rId16"/>
+    <p:sldId id="270" r:id="rId17"/>
+    <p:sldId id="273" r:id="rId18"/>
   </p:sldIdLst>
   <p:sldSz cx="12192000" cy="6858000"/>
   <p:notesSz cx="6858000" cy="9144000"/>
@@ -211,7 +213,7 @@
           <a:p>
             <a:fld id="{1B238AE1-EFAE-4C73-9392-430E40AED859}" type="datetimeFigureOut">
               <a:rPr lang="en-US" smtClean="0"/>
-              <a:t>6/14/2020</a:t>
+              <a:t>6/15/2020</a:t>
             </a:fld>
             <a:endParaRPr lang="en-US"/>
           </a:p>
@@ -625,7 +627,7 @@
           <a:p>
             <a:fld id="{E6C92562-5478-4178-A6F8-CC6853920E4A}" type="datetimeFigureOut">
               <a:rPr lang="en-US" smtClean="0"/>
-              <a:t>6/14/2020</a:t>
+              <a:t>6/15/2020</a:t>
             </a:fld>
             <a:endParaRPr lang="en-US"/>
           </a:p>
@@ -823,7 +825,7 @@
           <a:p>
             <a:fld id="{E6C92562-5478-4178-A6F8-CC6853920E4A}" type="datetimeFigureOut">
               <a:rPr lang="en-US" smtClean="0"/>
-              <a:t>6/14/2020</a:t>
+              <a:t>6/15/2020</a:t>
             </a:fld>
             <a:endParaRPr lang="en-US"/>
           </a:p>
@@ -1031,7 +1033,7 @@
           <a:p>
             <a:fld id="{E6C92562-5478-4178-A6F8-CC6853920E4A}" type="datetimeFigureOut">
               <a:rPr lang="en-US" smtClean="0"/>
-              <a:t>6/14/2020</a:t>
+              <a:t>6/15/2020</a:t>
             </a:fld>
             <a:endParaRPr lang="en-US"/>
           </a:p>
@@ -1229,7 +1231,7 @@
           <a:p>
             <a:fld id="{E6C92562-5478-4178-A6F8-CC6853920E4A}" type="datetimeFigureOut">
               <a:rPr lang="en-US" smtClean="0"/>
-              <a:t>6/14/2020</a:t>
+              <a:t>6/15/2020</a:t>
             </a:fld>
             <a:endParaRPr lang="en-US"/>
           </a:p>
@@ -1504,7 +1506,7 @@
           <a:p>
             <a:fld id="{E6C92562-5478-4178-A6F8-CC6853920E4A}" type="datetimeFigureOut">
               <a:rPr lang="en-US" smtClean="0"/>
-              <a:t>6/14/2020</a:t>
+              <a:t>6/15/2020</a:t>
             </a:fld>
             <a:endParaRPr lang="en-US"/>
           </a:p>
@@ -1769,7 +1771,7 @@
           <a:p>
             <a:fld id="{E6C92562-5478-4178-A6F8-CC6853920E4A}" type="datetimeFigureOut">
               <a:rPr lang="en-US" smtClean="0"/>
-              <a:t>6/14/2020</a:t>
+              <a:t>6/15/2020</a:t>
             </a:fld>
             <a:endParaRPr lang="en-US"/>
           </a:p>
@@ -2181,7 +2183,7 @@
           <a:p>
             <a:fld id="{E6C92562-5478-4178-A6F8-CC6853920E4A}" type="datetimeFigureOut">
               <a:rPr lang="en-US" smtClean="0"/>
-              <a:t>6/14/2020</a:t>
+              <a:t>6/15/2020</a:t>
             </a:fld>
             <a:endParaRPr lang="en-US"/>
           </a:p>
@@ -2322,7 +2324,7 @@
           <a:p>
             <a:fld id="{E6C92562-5478-4178-A6F8-CC6853920E4A}" type="datetimeFigureOut">
               <a:rPr lang="en-US" smtClean="0"/>
-              <a:t>6/14/2020</a:t>
+              <a:t>6/15/2020</a:t>
             </a:fld>
             <a:endParaRPr lang="en-US"/>
           </a:p>
@@ -2435,7 +2437,7 @@
           <a:p>
             <a:fld id="{E6C92562-5478-4178-A6F8-CC6853920E4A}" type="datetimeFigureOut">
               <a:rPr lang="en-US" smtClean="0"/>
-              <a:t>6/14/2020</a:t>
+              <a:t>6/15/2020</a:t>
             </a:fld>
             <a:endParaRPr lang="en-US"/>
           </a:p>
@@ -2746,7 +2748,7 @@
           <a:p>
             <a:fld id="{E6C92562-5478-4178-A6F8-CC6853920E4A}" type="datetimeFigureOut">
               <a:rPr lang="en-US" smtClean="0"/>
-              <a:t>6/14/2020</a:t>
+              <a:t>6/15/2020</a:t>
             </a:fld>
             <a:endParaRPr lang="en-US"/>
           </a:p>
@@ -3034,7 +3036,7 @@
           <a:p>
             <a:fld id="{E6C92562-5478-4178-A6F8-CC6853920E4A}" type="datetimeFigureOut">
               <a:rPr lang="en-US" smtClean="0"/>
-              <a:t>6/14/2020</a:t>
+              <a:t>6/15/2020</a:t>
             </a:fld>
             <a:endParaRPr lang="en-US"/>
           </a:p>
@@ -3275,7 +3277,7 @@
           <a:p>
             <a:fld id="{E6C92562-5478-4178-A6F8-CC6853920E4A}" type="datetimeFigureOut">
               <a:rPr lang="en-US" smtClean="0"/>
-              <a:t>6/14/2020</a:t>
+              <a:t>6/15/2020</a:t>
             </a:fld>
             <a:endParaRPr lang="en-US"/>
           </a:p>
@@ -5779,7 +5781,7 @@
               <a:rPr lang="en-US" sz="4000" dirty="0">
                 <a:ln w="0"/>
                 <a:solidFill>
-                  <a:srgbClr val="FF0000"/>
+                  <a:srgbClr val="00B050"/>
                 </a:solidFill>
                 <a:effectLst>
                   <a:outerShdw blurRad="38100" dist="19050" dir="2700000" algn="tl" rotWithShape="0">
@@ -5794,7 +5796,7 @@
             <a:endParaRPr lang="en-US" sz="4000" b="0" cap="none" spc="0" dirty="0">
               <a:ln w="0"/>
               <a:solidFill>
-                <a:srgbClr val="FF0000"/>
+                <a:srgbClr val="00B050"/>
               </a:solidFill>
               <a:effectLst>
                 <a:outerShdw blurRad="38100" dist="19050" dir="2700000" algn="tl" rotWithShape="0">
@@ -6081,8 +6083,8 @@
         </p:nvSpPr>
         <p:spPr>
           <a:xfrm>
-            <a:off x="1896055" y="0"/>
-            <a:ext cx="8567859" cy="707886"/>
+            <a:off x="1981278" y="0"/>
+            <a:ext cx="8397428" cy="707886"/>
           </a:xfrm>
           <a:prstGeom prst="rect">
             <a:avLst/>
@@ -6110,7 +6112,7 @@
                   </a:outerShdw>
                 </a:effectLst>
               </a:rPr>
-              <a:t>Teacher. Grade a Completed Assignment</a:t>
+              <a:t>Student. View a Completed Assignment</a:t>
             </a:r>
           </a:p>
         </p:txBody>
@@ -6130,7 +6132,7 @@
         <p:spPr>
           <a:xfrm>
             <a:off x="401216" y="1810139"/>
-            <a:ext cx="5570376" cy="429208"/>
+            <a:ext cx="9533650" cy="429208"/>
           </a:xfrm>
           <a:prstGeom prst="rect">
             <a:avLst/>
@@ -6178,7 +6180,7 @@
         <p:spPr>
           <a:xfrm>
             <a:off x="401216" y="2606664"/>
-            <a:ext cx="5570376" cy="2193935"/>
+            <a:ext cx="11274022" cy="2193935"/>
           </a:xfrm>
           <a:prstGeom prst="rect">
             <a:avLst/>
@@ -6213,10 +6215,10 @@
       </p:sp>
       <p:sp>
         <p:nvSpPr>
-          <p:cNvPr id="6" name="Rectangle 5">
-            <a:extLst>
-              <a:ext uri="{FF2B5EF4-FFF2-40B4-BE49-F238E27FC236}">
-                <a16:creationId xmlns:a16="http://schemas.microsoft.com/office/drawing/2014/main" id="{51BB4084-FC68-4F1D-AE73-07B0C094B63D}"/>
+          <p:cNvPr id="8" name="Rectangle 7">
+            <a:extLst>
+              <a:ext uri="{FF2B5EF4-FFF2-40B4-BE49-F238E27FC236}">
+                <a16:creationId xmlns:a16="http://schemas.microsoft.com/office/drawing/2014/main" id="{8B303463-ACDD-48B6-A8DC-4079C64FEC0D}"/>
               </a:ext>
             </a:extLst>
           </p:cNvPr>
@@ -6225,7 +6227,7 @@
         </p:nvSpPr>
         <p:spPr>
           <a:xfrm>
-            <a:off x="6610738" y="1810139"/>
+            <a:off x="10280311" y="1815996"/>
             <a:ext cx="1394927" cy="429208"/>
           </a:xfrm>
           <a:prstGeom prst="rect">
@@ -6261,10 +6263,10 @@
       </p:sp>
       <p:sp>
         <p:nvSpPr>
-          <p:cNvPr id="7" name="Rectangle 6">
-            <a:extLst>
-              <a:ext uri="{FF2B5EF4-FFF2-40B4-BE49-F238E27FC236}">
-                <a16:creationId xmlns:a16="http://schemas.microsoft.com/office/drawing/2014/main" id="{0EAC3431-69BD-4F96-8216-30D7EF22889C}"/>
+          <p:cNvPr id="10" name="Rectangle 9">
+            <a:extLst>
+              <a:ext uri="{FF2B5EF4-FFF2-40B4-BE49-F238E27FC236}">
+                <a16:creationId xmlns:a16="http://schemas.microsoft.com/office/drawing/2014/main" id="{1FBFB3C7-4A95-49CD-9D29-900DB8A60288}"/>
               </a:ext>
             </a:extLst>
           </p:cNvPr>
@@ -6273,14 +6275,195 @@
         </p:nvSpPr>
         <p:spPr>
           <a:xfrm>
-            <a:off x="6307494" y="2640562"/>
-            <a:ext cx="4460033" cy="2062065"/>
+            <a:off x="10625754" y="1676657"/>
+            <a:ext cx="704039" cy="707886"/>
           </a:xfrm>
           <a:prstGeom prst="rect">
             <a:avLst/>
           </a:prstGeom>
           <a:noFill/>
-          <a:ln w="28575"/>
+        </p:spPr>
+        <p:txBody>
+          <a:bodyPr wrap="none" lIns="91440" tIns="45720" rIns="91440" bIns="45720">
+            <a:spAutoFit/>
+          </a:bodyPr>
+          <a:lstStyle/>
+          <a:p>
+            <a:pPr algn="ctr"/>
+            <a:r>
+              <a:rPr lang="en-US" sz="4000" dirty="0">
+                <a:ln w="0"/>
+                <a:solidFill>
+                  <a:srgbClr val="FF0000"/>
+                </a:solidFill>
+                <a:effectLst>
+                  <a:outerShdw blurRad="38100" dist="19050" dir="2700000" algn="tl" rotWithShape="0">
+                    <a:schemeClr val="dk1">
+                      <a:alpha val="40000"/>
+                    </a:schemeClr>
+                  </a:outerShdw>
+                </a:effectLst>
+              </a:rPr>
+              <a:t>10</a:t>
+            </a:r>
+            <a:endParaRPr lang="en-US" sz="4000" b="0" cap="none" spc="0" dirty="0">
+              <a:ln w="0"/>
+              <a:solidFill>
+                <a:srgbClr val="FF0000"/>
+              </a:solidFill>
+              <a:effectLst>
+                <a:outerShdw blurRad="38100" dist="19050" dir="2700000" algn="tl" rotWithShape="0">
+                  <a:schemeClr val="dk1">
+                    <a:alpha val="40000"/>
+                  </a:schemeClr>
+                </a:outerShdw>
+              </a:effectLst>
+            </a:endParaRPr>
+          </a:p>
+        </p:txBody>
+      </p:sp>
+      <p:sp>
+        <p:nvSpPr>
+          <p:cNvPr id="11" name="Rectangle 10">
+            <a:extLst>
+              <a:ext uri="{FF2B5EF4-FFF2-40B4-BE49-F238E27FC236}">
+                <a16:creationId xmlns:a16="http://schemas.microsoft.com/office/drawing/2014/main" id="{7F4ED514-7A5B-4414-ABAB-0CD50E567371}"/>
+              </a:ext>
+            </a:extLst>
+          </p:cNvPr>
+          <p:cNvSpPr/>
+          <p:nvPr/>
+        </p:nvSpPr>
+        <p:spPr>
+          <a:xfrm>
+            <a:off x="401216" y="2721114"/>
+            <a:ext cx="3999941" cy="707886"/>
+          </a:xfrm>
+          <a:prstGeom prst="rect">
+            <a:avLst/>
+          </a:prstGeom>
+          <a:noFill/>
+        </p:spPr>
+        <p:txBody>
+          <a:bodyPr wrap="none" lIns="91440" tIns="45720" rIns="91440" bIns="45720">
+            <a:spAutoFit/>
+          </a:bodyPr>
+          <a:lstStyle/>
+          <a:p>
+            <a:pPr algn="ctr"/>
+            <a:r>
+              <a:rPr lang="en-US" sz="4000" dirty="0">
+                <a:ln w="0"/>
+                <a:solidFill>
+                  <a:srgbClr val="FF0000"/>
+                </a:solidFill>
+                <a:effectLst>
+                  <a:outerShdw blurRad="38100" dist="19050" dir="2700000" algn="tl" rotWithShape="0">
+                    <a:schemeClr val="dk1">
+                      <a:alpha val="40000"/>
+                    </a:schemeClr>
+                  </a:outerShdw>
+                </a:effectLst>
+              </a:rPr>
+              <a:t>Answer of student</a:t>
+            </a:r>
+            <a:endParaRPr lang="en-US" sz="4000" b="0" cap="none" spc="0" dirty="0">
+              <a:ln w="0"/>
+              <a:solidFill>
+                <a:srgbClr val="FF0000"/>
+              </a:solidFill>
+              <a:effectLst>
+                <a:outerShdw blurRad="38100" dist="19050" dir="2700000" algn="tl" rotWithShape="0">
+                  <a:schemeClr val="dk1">
+                    <a:alpha val="40000"/>
+                  </a:schemeClr>
+                </a:outerShdw>
+              </a:effectLst>
+            </a:endParaRPr>
+          </a:p>
+        </p:txBody>
+      </p:sp>
+      <p:sp>
+        <p:nvSpPr>
+          <p:cNvPr id="12" name="Rectangle 11">
+            <a:extLst>
+              <a:ext uri="{FF2B5EF4-FFF2-40B4-BE49-F238E27FC236}">
+                <a16:creationId xmlns:a16="http://schemas.microsoft.com/office/drawing/2014/main" id="{3C961F31-0E93-494F-BA08-29CFC3D69B49}"/>
+              </a:ext>
+            </a:extLst>
+          </p:cNvPr>
+          <p:cNvSpPr/>
+          <p:nvPr/>
+        </p:nvSpPr>
+        <p:spPr>
+          <a:xfrm>
+            <a:off x="516762" y="1713979"/>
+            <a:ext cx="3643177" cy="584775"/>
+          </a:xfrm>
+          <a:prstGeom prst="rect">
+            <a:avLst/>
+          </a:prstGeom>
+          <a:noFill/>
+        </p:spPr>
+        <p:txBody>
+          <a:bodyPr wrap="none" lIns="91440" tIns="45720" rIns="91440" bIns="45720">
+            <a:spAutoFit/>
+          </a:bodyPr>
+          <a:lstStyle/>
+          <a:p>
+            <a:pPr algn="ctr"/>
+            <a:r>
+              <a:rPr lang="en-US" sz="3200" dirty="0">
+                <a:ln w="0"/>
+                <a:solidFill>
+                  <a:srgbClr val="FF0000"/>
+                </a:solidFill>
+                <a:effectLst>
+                  <a:outerShdw blurRad="38100" dist="19050" dir="2700000" algn="tl" rotWithShape="0">
+                    <a:schemeClr val="dk1">
+                      <a:alpha val="40000"/>
+                    </a:schemeClr>
+                  </a:outerShdw>
+                </a:effectLst>
+              </a:rPr>
+              <a:t>Question for student</a:t>
+            </a:r>
+            <a:endParaRPr lang="en-US" sz="3200" b="0" cap="none" spc="0" dirty="0">
+              <a:ln w="0"/>
+              <a:solidFill>
+                <a:srgbClr val="FF0000"/>
+              </a:solidFill>
+              <a:effectLst>
+                <a:outerShdw blurRad="38100" dist="19050" dir="2700000" algn="tl" rotWithShape="0">
+                  <a:schemeClr val="dk1">
+                    <a:alpha val="40000"/>
+                  </a:schemeClr>
+                </a:outerShdw>
+              </a:effectLst>
+            </a:endParaRPr>
+          </a:p>
+        </p:txBody>
+      </p:sp>
+      <p:sp>
+        <p:nvSpPr>
+          <p:cNvPr id="15" name="Rectangle 14">
+            <a:extLst>
+              <a:ext uri="{FF2B5EF4-FFF2-40B4-BE49-F238E27FC236}">
+                <a16:creationId xmlns:a16="http://schemas.microsoft.com/office/drawing/2014/main" id="{B4D9149E-B5D9-4A9D-BFD6-2AB4FFA23CFD}"/>
+              </a:ext>
+            </a:extLst>
+          </p:cNvPr>
+          <p:cNvSpPr/>
+          <p:nvPr/>
+        </p:nvSpPr>
+        <p:spPr>
+          <a:xfrm>
+            <a:off x="4159939" y="5514392"/>
+            <a:ext cx="4190959" cy="858416"/>
+          </a:xfrm>
+          <a:prstGeom prst="rect">
+            <a:avLst/>
+          </a:prstGeom>
         </p:spPr>
         <p:style>
           <a:lnRef idx="2">
@@ -6303,453 +6486,6 @@
           <a:lstStyle/>
           <a:p>
             <a:pPr algn="ctr"/>
-            <a:endParaRPr lang="en-US"/>
-          </a:p>
-        </p:txBody>
-      </p:sp>
-      <p:sp>
-        <p:nvSpPr>
-          <p:cNvPr id="8" name="Rectangle 7">
-            <a:extLst>
-              <a:ext uri="{FF2B5EF4-FFF2-40B4-BE49-F238E27FC236}">
-                <a16:creationId xmlns:a16="http://schemas.microsoft.com/office/drawing/2014/main" id="{8B303463-ACDD-48B6-A8DC-4079C64FEC0D}"/>
-              </a:ext>
-            </a:extLst>
-          </p:cNvPr>
-          <p:cNvSpPr/>
-          <p:nvPr/>
-        </p:nvSpPr>
-        <p:spPr>
-          <a:xfrm>
-            <a:off x="8955832" y="1810139"/>
-            <a:ext cx="1394927" cy="429208"/>
-          </a:xfrm>
-          <a:prstGeom prst="rect">
-            <a:avLst/>
-          </a:prstGeom>
-          <a:noFill/>
-          <a:ln w="28575"/>
-        </p:spPr>
-        <p:style>
-          <a:lnRef idx="2">
-            <a:schemeClr val="accent1">
-              <a:shade val="50000"/>
-            </a:schemeClr>
-          </a:lnRef>
-          <a:fillRef idx="1">
-            <a:schemeClr val="accent1"/>
-          </a:fillRef>
-          <a:effectRef idx="0">
-            <a:schemeClr val="accent1"/>
-          </a:effectRef>
-          <a:fontRef idx="minor">
-            <a:schemeClr val="lt1"/>
-          </a:fontRef>
-        </p:style>
-        <p:txBody>
-          <a:bodyPr rtlCol="0" anchor="ctr"/>
-          <a:lstStyle/>
-          <a:p>
-            <a:pPr algn="ctr"/>
-            <a:endParaRPr lang="en-US"/>
-          </a:p>
-        </p:txBody>
-      </p:sp>
-      <p:sp>
-        <p:nvSpPr>
-          <p:cNvPr id="9" name="Rectangle 8">
-            <a:extLst>
-              <a:ext uri="{FF2B5EF4-FFF2-40B4-BE49-F238E27FC236}">
-                <a16:creationId xmlns:a16="http://schemas.microsoft.com/office/drawing/2014/main" id="{98E27898-DEC4-41D3-A0A2-34E71D2EF074}"/>
-              </a:ext>
-            </a:extLst>
-          </p:cNvPr>
-          <p:cNvSpPr/>
-          <p:nvPr/>
-        </p:nvSpPr>
-        <p:spPr>
-          <a:xfrm>
-            <a:off x="8254565" y="1516625"/>
-            <a:ext cx="452367" cy="923330"/>
-          </a:xfrm>
-          <a:prstGeom prst="rect">
-            <a:avLst/>
-          </a:prstGeom>
-          <a:noFill/>
-        </p:spPr>
-        <p:txBody>
-          <a:bodyPr wrap="none" lIns="91440" tIns="45720" rIns="91440" bIns="45720">
-            <a:spAutoFit/>
-          </a:bodyPr>
-          <a:lstStyle/>
-          <a:p>
-            <a:pPr algn="ctr"/>
-            <a:r>
-              <a:rPr lang="en-US" sz="5400" b="0" cap="none" spc="0" dirty="0">
-                <a:ln w="0"/>
-                <a:solidFill>
-                  <a:schemeClr val="accent1"/>
-                </a:solidFill>
-                <a:effectLst>
-                  <a:outerShdw blurRad="38100" dist="25400" dir="5400000" algn="ctr" rotWithShape="0">
-                    <a:srgbClr val="6E747A">
-                      <a:alpha val="43000"/>
-                    </a:srgbClr>
-                  </a:outerShdw>
-                </a:effectLst>
-              </a:rPr>
-              <a:t>/</a:t>
-            </a:r>
-          </a:p>
-        </p:txBody>
-      </p:sp>
-      <p:sp>
-        <p:nvSpPr>
-          <p:cNvPr id="10" name="Rectangle 9">
-            <a:extLst>
-              <a:ext uri="{FF2B5EF4-FFF2-40B4-BE49-F238E27FC236}">
-                <a16:creationId xmlns:a16="http://schemas.microsoft.com/office/drawing/2014/main" id="{1FBFB3C7-4A95-49CD-9D29-900DB8A60288}"/>
-              </a:ext>
-            </a:extLst>
-          </p:cNvPr>
-          <p:cNvSpPr/>
-          <p:nvPr/>
-        </p:nvSpPr>
-        <p:spPr>
-          <a:xfrm>
-            <a:off x="9301275" y="1670800"/>
-            <a:ext cx="704039" cy="707886"/>
-          </a:xfrm>
-          <a:prstGeom prst="rect">
-            <a:avLst/>
-          </a:prstGeom>
-          <a:noFill/>
-        </p:spPr>
-        <p:txBody>
-          <a:bodyPr wrap="none" lIns="91440" tIns="45720" rIns="91440" bIns="45720">
-            <a:spAutoFit/>
-          </a:bodyPr>
-          <a:lstStyle/>
-          <a:p>
-            <a:pPr algn="ctr"/>
-            <a:r>
-              <a:rPr lang="en-US" sz="4000" dirty="0">
-                <a:ln w="0"/>
-                <a:solidFill>
-                  <a:srgbClr val="FF0000"/>
-                </a:solidFill>
-                <a:effectLst>
-                  <a:outerShdw blurRad="38100" dist="19050" dir="2700000" algn="tl" rotWithShape="0">
-                    <a:schemeClr val="dk1">
-                      <a:alpha val="40000"/>
-                    </a:schemeClr>
-                  </a:outerShdw>
-                </a:effectLst>
-              </a:rPr>
-              <a:t>10</a:t>
-            </a:r>
-            <a:endParaRPr lang="en-US" sz="4000" b="0" cap="none" spc="0" dirty="0">
-              <a:ln w="0"/>
-              <a:solidFill>
-                <a:srgbClr val="FF0000"/>
-              </a:solidFill>
-              <a:effectLst>
-                <a:outerShdw blurRad="38100" dist="19050" dir="2700000" algn="tl" rotWithShape="0">
-                  <a:schemeClr val="dk1">
-                    <a:alpha val="40000"/>
-                  </a:schemeClr>
-                </a:outerShdw>
-              </a:effectLst>
-            </a:endParaRPr>
-          </a:p>
-        </p:txBody>
-      </p:sp>
-      <p:sp>
-        <p:nvSpPr>
-          <p:cNvPr id="11" name="Rectangle 10">
-            <a:extLst>
-              <a:ext uri="{FF2B5EF4-FFF2-40B4-BE49-F238E27FC236}">
-                <a16:creationId xmlns:a16="http://schemas.microsoft.com/office/drawing/2014/main" id="{7F4ED514-7A5B-4414-ABAB-0CD50E567371}"/>
-              </a:ext>
-            </a:extLst>
-          </p:cNvPr>
-          <p:cNvSpPr/>
-          <p:nvPr/>
-        </p:nvSpPr>
-        <p:spPr>
-          <a:xfrm>
-            <a:off x="401216" y="2721114"/>
-            <a:ext cx="3999941" cy="707886"/>
-          </a:xfrm>
-          <a:prstGeom prst="rect">
-            <a:avLst/>
-          </a:prstGeom>
-          <a:noFill/>
-        </p:spPr>
-        <p:txBody>
-          <a:bodyPr wrap="none" lIns="91440" tIns="45720" rIns="91440" bIns="45720">
-            <a:spAutoFit/>
-          </a:bodyPr>
-          <a:lstStyle/>
-          <a:p>
-            <a:pPr algn="ctr"/>
-            <a:r>
-              <a:rPr lang="en-US" sz="4000" dirty="0">
-                <a:ln w="0"/>
-                <a:solidFill>
-                  <a:srgbClr val="FF0000"/>
-                </a:solidFill>
-                <a:effectLst>
-                  <a:outerShdw blurRad="38100" dist="19050" dir="2700000" algn="tl" rotWithShape="0">
-                    <a:schemeClr val="dk1">
-                      <a:alpha val="40000"/>
-                    </a:schemeClr>
-                  </a:outerShdw>
-                </a:effectLst>
-              </a:rPr>
-              <a:t>Answer of student</a:t>
-            </a:r>
-            <a:endParaRPr lang="en-US" sz="4000" b="0" cap="none" spc="0" dirty="0">
-              <a:ln w="0"/>
-              <a:solidFill>
-                <a:srgbClr val="FF0000"/>
-              </a:solidFill>
-              <a:effectLst>
-                <a:outerShdw blurRad="38100" dist="19050" dir="2700000" algn="tl" rotWithShape="0">
-                  <a:schemeClr val="dk1">
-                    <a:alpha val="40000"/>
-                  </a:schemeClr>
-                </a:outerShdw>
-              </a:effectLst>
-            </a:endParaRPr>
-          </a:p>
-        </p:txBody>
-      </p:sp>
-      <p:sp>
-        <p:nvSpPr>
-          <p:cNvPr id="12" name="Rectangle 11">
-            <a:extLst>
-              <a:ext uri="{FF2B5EF4-FFF2-40B4-BE49-F238E27FC236}">
-                <a16:creationId xmlns:a16="http://schemas.microsoft.com/office/drawing/2014/main" id="{3C961F31-0E93-494F-BA08-29CFC3D69B49}"/>
-              </a:ext>
-            </a:extLst>
-          </p:cNvPr>
-          <p:cNvSpPr/>
-          <p:nvPr/>
-        </p:nvSpPr>
-        <p:spPr>
-          <a:xfrm>
-            <a:off x="516762" y="1713979"/>
-            <a:ext cx="3643177" cy="584775"/>
-          </a:xfrm>
-          <a:prstGeom prst="rect">
-            <a:avLst/>
-          </a:prstGeom>
-          <a:noFill/>
-        </p:spPr>
-        <p:txBody>
-          <a:bodyPr wrap="none" lIns="91440" tIns="45720" rIns="91440" bIns="45720">
-            <a:spAutoFit/>
-          </a:bodyPr>
-          <a:lstStyle/>
-          <a:p>
-            <a:pPr algn="ctr"/>
-            <a:r>
-              <a:rPr lang="en-US" sz="3200" dirty="0">
-                <a:ln w="0"/>
-                <a:solidFill>
-                  <a:srgbClr val="FF0000"/>
-                </a:solidFill>
-                <a:effectLst>
-                  <a:outerShdw blurRad="38100" dist="19050" dir="2700000" algn="tl" rotWithShape="0">
-                    <a:schemeClr val="dk1">
-                      <a:alpha val="40000"/>
-                    </a:schemeClr>
-                  </a:outerShdw>
-                </a:effectLst>
-              </a:rPr>
-              <a:t>Question for student</a:t>
-            </a:r>
-            <a:endParaRPr lang="en-US" sz="3200" b="0" cap="none" spc="0" dirty="0">
-              <a:ln w="0"/>
-              <a:solidFill>
-                <a:srgbClr val="FF0000"/>
-              </a:solidFill>
-              <a:effectLst>
-                <a:outerShdw blurRad="38100" dist="19050" dir="2700000" algn="tl" rotWithShape="0">
-                  <a:schemeClr val="dk1">
-                    <a:alpha val="40000"/>
-                  </a:schemeClr>
-                </a:outerShdw>
-              </a:effectLst>
-            </a:endParaRPr>
-          </a:p>
-        </p:txBody>
-      </p:sp>
-      <p:sp>
-        <p:nvSpPr>
-          <p:cNvPr id="13" name="Rectangle 12">
-            <a:extLst>
-              <a:ext uri="{FF2B5EF4-FFF2-40B4-BE49-F238E27FC236}">
-                <a16:creationId xmlns:a16="http://schemas.microsoft.com/office/drawing/2014/main" id="{66B302E7-C885-4883-9C6E-D15B730B26D2}"/>
-              </a:ext>
-            </a:extLst>
-          </p:cNvPr>
-          <p:cNvSpPr/>
-          <p:nvPr/>
-        </p:nvSpPr>
-        <p:spPr>
-          <a:xfrm>
-            <a:off x="6923001" y="1661470"/>
-            <a:ext cx="704039" cy="707886"/>
-          </a:xfrm>
-          <a:prstGeom prst="rect">
-            <a:avLst/>
-          </a:prstGeom>
-          <a:noFill/>
-        </p:spPr>
-        <p:txBody>
-          <a:bodyPr wrap="none" lIns="91440" tIns="45720" rIns="91440" bIns="45720">
-            <a:spAutoFit/>
-          </a:bodyPr>
-          <a:lstStyle/>
-          <a:p>
-            <a:pPr algn="ctr"/>
-            <a:r>
-              <a:rPr lang="en-US" sz="4000" dirty="0">
-                <a:ln w="0"/>
-                <a:solidFill>
-                  <a:srgbClr val="00B050"/>
-                </a:solidFill>
-                <a:effectLst>
-                  <a:outerShdw blurRad="38100" dist="19050" dir="2700000" algn="tl" rotWithShape="0">
-                    <a:schemeClr val="dk1">
-                      <a:alpha val="40000"/>
-                    </a:schemeClr>
-                  </a:outerShdw>
-                </a:effectLst>
-              </a:rPr>
-              <a:t>10</a:t>
-            </a:r>
-            <a:endParaRPr lang="en-US" sz="4000" b="0" cap="none" spc="0" dirty="0">
-              <a:ln w="0"/>
-              <a:solidFill>
-                <a:srgbClr val="00B050"/>
-              </a:solidFill>
-              <a:effectLst>
-                <a:outerShdw blurRad="38100" dist="19050" dir="2700000" algn="tl" rotWithShape="0">
-                  <a:schemeClr val="dk1">
-                    <a:alpha val="40000"/>
-                  </a:schemeClr>
-                </a:outerShdw>
-              </a:effectLst>
-            </a:endParaRPr>
-          </a:p>
-        </p:txBody>
-      </p:sp>
-      <p:sp>
-        <p:nvSpPr>
-          <p:cNvPr id="14" name="Rectangle 13">
-            <a:extLst>
-              <a:ext uri="{FF2B5EF4-FFF2-40B4-BE49-F238E27FC236}">
-                <a16:creationId xmlns:a16="http://schemas.microsoft.com/office/drawing/2014/main" id="{5F946195-4ADC-46D2-8EC1-9CD91EDE9E7A}"/>
-              </a:ext>
-            </a:extLst>
-          </p:cNvPr>
-          <p:cNvSpPr/>
-          <p:nvPr/>
-        </p:nvSpPr>
-        <p:spPr>
-          <a:xfrm>
-            <a:off x="6465549" y="2763723"/>
-            <a:ext cx="2241383" cy="707886"/>
-          </a:xfrm>
-          <a:prstGeom prst="rect">
-            <a:avLst/>
-          </a:prstGeom>
-          <a:noFill/>
-        </p:spPr>
-        <p:txBody>
-          <a:bodyPr wrap="none" lIns="91440" tIns="45720" rIns="91440" bIns="45720">
-            <a:spAutoFit/>
-          </a:bodyPr>
-          <a:lstStyle/>
-          <a:p>
-            <a:pPr algn="ctr"/>
-            <a:r>
-              <a:rPr lang="en-US" sz="4000" dirty="0">
-                <a:ln w="0"/>
-                <a:solidFill>
-                  <a:srgbClr val="00B050"/>
-                </a:solidFill>
-                <a:effectLst>
-                  <a:outerShdw blurRad="38100" dist="19050" dir="2700000" algn="tl" rotWithShape="0">
-                    <a:schemeClr val="dk1">
-                      <a:alpha val="40000"/>
-                    </a:schemeClr>
-                  </a:outerShdw>
-                </a:effectLst>
-              </a:rPr>
-              <a:t>Comment</a:t>
-            </a:r>
-            <a:endParaRPr lang="en-US" sz="4000" b="0" cap="none" spc="0" dirty="0">
-              <a:ln w="0"/>
-              <a:solidFill>
-                <a:srgbClr val="00B050"/>
-              </a:solidFill>
-              <a:effectLst>
-                <a:outerShdw blurRad="38100" dist="19050" dir="2700000" algn="tl" rotWithShape="0">
-                  <a:schemeClr val="dk1">
-                    <a:alpha val="40000"/>
-                  </a:schemeClr>
-                </a:outerShdw>
-              </a:effectLst>
-            </a:endParaRPr>
-          </a:p>
-        </p:txBody>
-      </p:sp>
-      <p:sp>
-        <p:nvSpPr>
-          <p:cNvPr id="15" name="Rectangle 14">
-            <a:extLst>
-              <a:ext uri="{FF2B5EF4-FFF2-40B4-BE49-F238E27FC236}">
-                <a16:creationId xmlns:a16="http://schemas.microsoft.com/office/drawing/2014/main" id="{B4D9149E-B5D9-4A9D-BFD6-2AB4FFA23CFD}"/>
-              </a:ext>
-            </a:extLst>
-          </p:cNvPr>
-          <p:cNvSpPr/>
-          <p:nvPr/>
-        </p:nvSpPr>
-        <p:spPr>
-          <a:xfrm>
-            <a:off x="4159939" y="5514392"/>
-            <a:ext cx="4190959" cy="858416"/>
-          </a:xfrm>
-          <a:prstGeom prst="rect">
-            <a:avLst/>
-          </a:prstGeom>
-        </p:spPr>
-        <p:style>
-          <a:lnRef idx="2">
-            <a:schemeClr val="accent1">
-              <a:shade val="50000"/>
-            </a:schemeClr>
-          </a:lnRef>
-          <a:fillRef idx="1">
-            <a:schemeClr val="accent1"/>
-          </a:fillRef>
-          <a:effectRef idx="0">
-            <a:schemeClr val="accent1"/>
-          </a:effectRef>
-          <a:fontRef idx="minor">
-            <a:schemeClr val="lt1"/>
-          </a:fontRef>
-        </p:style>
-        <p:txBody>
-          <a:bodyPr rtlCol="0" anchor="ctr"/>
-          <a:lstStyle/>
-          <a:p>
-            <a:pPr algn="ctr"/>
             <a:r>
               <a:rPr lang="en-US" sz="3600" dirty="0">
                 <a:ln w="0"/>
@@ -6769,10 +6505,71 @@
           </a:p>
         </p:txBody>
       </p:sp>
+      <p:sp>
+        <p:nvSpPr>
+          <p:cNvPr id="16" name="Rectangle 15">
+            <a:extLst>
+              <a:ext uri="{FF2B5EF4-FFF2-40B4-BE49-F238E27FC236}">
+                <a16:creationId xmlns:a16="http://schemas.microsoft.com/office/drawing/2014/main" id="{96CDAD0F-9570-4169-B0A0-8B117C48A2E5}"/>
+              </a:ext>
+            </a:extLst>
+          </p:cNvPr>
+          <p:cNvSpPr/>
+          <p:nvPr/>
+        </p:nvSpPr>
+        <p:spPr>
+          <a:xfrm>
+            <a:off x="5168041" y="703151"/>
+            <a:ext cx="1665842" cy="923330"/>
+          </a:xfrm>
+          <a:prstGeom prst="rect">
+            <a:avLst/>
+          </a:prstGeom>
+          <a:noFill/>
+        </p:spPr>
+        <p:txBody>
+          <a:bodyPr wrap="none" lIns="91440" tIns="45720" rIns="91440" bIns="45720">
+            <a:spAutoFit/>
+          </a:bodyPr>
+          <a:lstStyle/>
+          <a:p>
+            <a:pPr algn="ctr"/>
+            <a:r>
+              <a:rPr lang="en-US" sz="5400" dirty="0">
+                <a:ln w="0"/>
+                <a:solidFill>
+                  <a:schemeClr val="accent1"/>
+                </a:solidFill>
+                <a:effectLst>
+                  <a:outerShdw blurRad="38100" dist="25400" dir="5400000" algn="ctr" rotWithShape="0">
+                    <a:srgbClr val="6E747A">
+                      <a:alpha val="43000"/>
+                    </a:srgbClr>
+                  </a:outerShdw>
+                </a:effectLst>
+              </a:rPr>
+              <a:t>TITLE</a:t>
+            </a:r>
+            <a:endParaRPr lang="en-US" sz="5400" b="0" cap="none" spc="0" dirty="0">
+              <a:ln w="0"/>
+              <a:solidFill>
+                <a:schemeClr val="accent1"/>
+              </a:solidFill>
+              <a:effectLst>
+                <a:outerShdw blurRad="38100" dist="25400" dir="5400000" algn="ctr" rotWithShape="0">
+                  <a:srgbClr val="6E747A">
+                    <a:alpha val="43000"/>
+                  </a:srgbClr>
+                </a:outerShdw>
+              </a:effectLst>
+            </a:endParaRPr>
+          </a:p>
+        </p:txBody>
+      </p:sp>
     </p:spTree>
     <p:extLst>
       <p:ext uri="{BB962C8B-B14F-4D97-AF65-F5344CB8AC3E}">
-        <p14:creationId xmlns:p14="http://schemas.microsoft.com/office/powerpoint/2010/main" val="3866603700"/>
+        <p14:creationId xmlns:p14="http://schemas.microsoft.com/office/powerpoint/2010/main" val="29606267"/>
       </p:ext>
     </p:extLst>
   </p:cSld>
@@ -6860,8 +6657,8 @@
         </p:nvSpPr>
         <p:spPr>
           <a:xfrm>
-            <a:off x="1789939" y="0"/>
-            <a:ext cx="8780097" cy="707886"/>
+            <a:off x="1896055" y="0"/>
+            <a:ext cx="8567859" cy="707886"/>
           </a:xfrm>
           <a:prstGeom prst="rect">
             <a:avLst/>
@@ -6889,7 +6686,7 @@
                   </a:outerShdw>
                 </a:effectLst>
               </a:rPr>
-              <a:t>Teacher and Student. Graded Assignment</a:t>
+              <a:t>Teacher. Grade a Completed Assignment</a:t>
             </a:r>
           </a:p>
         </p:txBody>
@@ -7398,7 +7195,7 @@
               <a:rPr lang="en-US" sz="4000" dirty="0">
                 <a:ln w="0"/>
                 <a:solidFill>
-                  <a:srgbClr val="FF0000"/>
+                  <a:srgbClr val="00B050"/>
                 </a:solidFill>
                 <a:effectLst>
                   <a:outerShdw blurRad="38100" dist="19050" dir="2700000" algn="tl" rotWithShape="0">
@@ -7413,7 +7210,7 @@
             <a:endParaRPr lang="en-US" sz="4000" b="0" cap="none" spc="0" dirty="0">
               <a:ln w="0"/>
               <a:solidFill>
-                <a:srgbClr val="FF0000"/>
+                <a:srgbClr val="00B050"/>
               </a:solidFill>
               <a:effectLst>
                 <a:outerShdw blurRad="38100" dist="19050" dir="2700000" algn="tl" rotWithShape="0">
@@ -7459,7 +7256,7 @@
               <a:rPr lang="en-US" sz="4000" dirty="0">
                 <a:ln w="0"/>
                 <a:solidFill>
-                  <a:srgbClr val="FF0000"/>
+                  <a:srgbClr val="00B050"/>
                 </a:solidFill>
                 <a:effectLst>
                   <a:outerShdw blurRad="38100" dist="19050" dir="2700000" algn="tl" rotWithShape="0">
@@ -7474,7 +7271,7 @@
             <a:endParaRPr lang="en-US" sz="4000" b="0" cap="none" spc="0" dirty="0">
               <a:ln w="0"/>
               <a:solidFill>
-                <a:srgbClr val="FF0000"/>
+                <a:srgbClr val="00B050"/>
               </a:solidFill>
               <a:effectLst>
                 <a:outerShdw blurRad="38100" dist="19050" dir="2700000" algn="tl" rotWithShape="0">
@@ -7489,58 +7286,10 @@
       </p:sp>
       <p:sp>
         <p:nvSpPr>
-          <p:cNvPr id="16" name="Rectangle 15">
-            <a:extLst>
-              <a:ext uri="{FF2B5EF4-FFF2-40B4-BE49-F238E27FC236}">
-                <a16:creationId xmlns:a16="http://schemas.microsoft.com/office/drawing/2014/main" id="{B7504BF0-9351-492E-8DC0-2EA7CEB06D8C}"/>
-              </a:ext>
-            </a:extLst>
-          </p:cNvPr>
-          <p:cNvSpPr/>
-          <p:nvPr/>
-        </p:nvSpPr>
-        <p:spPr>
-          <a:xfrm>
-            <a:off x="9227115" y="4964503"/>
-            <a:ext cx="2419893" cy="523220"/>
-          </a:xfrm>
-          <a:prstGeom prst="rect">
-            <a:avLst/>
-          </a:prstGeom>
-          <a:noFill/>
-        </p:spPr>
-        <p:txBody>
-          <a:bodyPr wrap="none" lIns="91440" tIns="45720" rIns="91440" bIns="45720">
-            <a:spAutoFit/>
-          </a:bodyPr>
-          <a:lstStyle/>
-          <a:p>
-            <a:pPr algn="ctr"/>
-            <a:r>
-              <a:rPr lang="en-US" sz="2800" b="0" cap="none" spc="0" dirty="0">
-                <a:ln w="0"/>
-                <a:solidFill>
-                  <a:schemeClr val="tx1"/>
-                </a:solidFill>
-                <a:effectLst>
-                  <a:outerShdw blurRad="38100" dist="19050" dir="2700000" algn="tl" rotWithShape="0">
-                    <a:schemeClr val="dk1">
-                      <a:alpha val="40000"/>
-                    </a:schemeClr>
-                  </a:outerShdw>
-                </a:effectLst>
-              </a:rPr>
-              <a:t>??? Final Grade</a:t>
-            </a:r>
-          </a:p>
-        </p:txBody>
-      </p:sp>
-      <p:sp>
-        <p:nvSpPr>
-          <p:cNvPr id="17" name="Rectangle 16">
-            <a:extLst>
-              <a:ext uri="{FF2B5EF4-FFF2-40B4-BE49-F238E27FC236}">
-                <a16:creationId xmlns:a16="http://schemas.microsoft.com/office/drawing/2014/main" id="{CFAFE9EE-9E65-4819-8E72-32403ABE1167}"/>
+          <p:cNvPr id="15" name="Rectangle 14">
+            <a:extLst>
+              <a:ext uri="{FF2B5EF4-FFF2-40B4-BE49-F238E27FC236}">
+                <a16:creationId xmlns:a16="http://schemas.microsoft.com/office/drawing/2014/main" id="{B4D9149E-B5D9-4A9D-BFD6-2AB4FFA23CFD}"/>
               </a:ext>
             </a:extLst>
           </p:cNvPr>
@@ -7591,6 +7340,833 @@
                   </a:outerShdw>
                 </a:effectLst>
               </a:rPr>
+              <a:t>SUBMIT</a:t>
+            </a:r>
+          </a:p>
+        </p:txBody>
+      </p:sp>
+    </p:spTree>
+    <p:extLst>
+      <p:ext uri="{BB962C8B-B14F-4D97-AF65-F5344CB8AC3E}">
+        <p14:creationId xmlns:p14="http://schemas.microsoft.com/office/powerpoint/2010/main" val="3866603700"/>
+      </p:ext>
+    </p:extLst>
+  </p:cSld>
+  <p:clrMapOvr>
+    <a:masterClrMapping/>
+  </p:clrMapOvr>
+</p:sld>
+</file>
+
+<file path=ppt/slides/slide16.xml><?xml version="1.0" encoding="utf-8"?>
+<p:sld xmlns:a="http://schemas.openxmlformats.org/drawingml/2006/main" xmlns:r="http://schemas.openxmlformats.org/officeDocument/2006/relationships" xmlns:p="http://schemas.openxmlformats.org/presentationml/2006/main">
+  <p:cSld>
+    <p:spTree>
+      <p:nvGrpSpPr>
+        <p:cNvPr id="1" name=""/>
+        <p:cNvGrpSpPr/>
+        <p:nvPr/>
+      </p:nvGrpSpPr>
+      <p:grpSpPr>
+        <a:xfrm>
+          <a:off x="0" y="0"/>
+          <a:ext cx="0" cy="0"/>
+          <a:chOff x="0" y="0"/>
+          <a:chExt cx="0" cy="0"/>
+        </a:xfrm>
+      </p:grpSpPr>
+      <p:sp>
+        <p:nvSpPr>
+          <p:cNvPr id="2" name="Rectangle 1">
+            <a:extLst>
+              <a:ext uri="{FF2B5EF4-FFF2-40B4-BE49-F238E27FC236}">
+                <a16:creationId xmlns:a16="http://schemas.microsoft.com/office/drawing/2014/main" id="{34ED2128-69B2-4F8D-9327-0049894680E5}"/>
+              </a:ext>
+            </a:extLst>
+          </p:cNvPr>
+          <p:cNvSpPr/>
+          <p:nvPr/>
+        </p:nvSpPr>
+        <p:spPr>
+          <a:xfrm>
+            <a:off x="65314" y="615820"/>
+            <a:ext cx="11952515" cy="6083560"/>
+          </a:xfrm>
+          <a:prstGeom prst="rect">
+            <a:avLst/>
+          </a:prstGeom>
+          <a:noFill/>
+        </p:spPr>
+        <p:style>
+          <a:lnRef idx="2">
+            <a:schemeClr val="accent1">
+              <a:shade val="50000"/>
+            </a:schemeClr>
+          </a:lnRef>
+          <a:fillRef idx="1">
+            <a:schemeClr val="accent1"/>
+          </a:fillRef>
+          <a:effectRef idx="0">
+            <a:schemeClr val="accent1"/>
+          </a:effectRef>
+          <a:fontRef idx="minor">
+            <a:schemeClr val="lt1"/>
+          </a:fontRef>
+        </p:style>
+        <p:txBody>
+          <a:bodyPr rtlCol="0" anchor="ctr"/>
+          <a:lstStyle/>
+          <a:p>
+            <a:pPr algn="ctr"/>
+            <a:endParaRPr lang="en-US"/>
+          </a:p>
+        </p:txBody>
+      </p:sp>
+      <p:sp>
+        <p:nvSpPr>
+          <p:cNvPr id="3" name="Rectangle 2">
+            <a:extLst>
+              <a:ext uri="{FF2B5EF4-FFF2-40B4-BE49-F238E27FC236}">
+                <a16:creationId xmlns:a16="http://schemas.microsoft.com/office/drawing/2014/main" id="{3DA7DAD7-0396-48BA-B243-4BE10329B6F5}"/>
+              </a:ext>
+            </a:extLst>
+          </p:cNvPr>
+          <p:cNvSpPr/>
+          <p:nvPr/>
+        </p:nvSpPr>
+        <p:spPr>
+          <a:xfrm>
+            <a:off x="1789939" y="0"/>
+            <a:ext cx="8780097" cy="707886"/>
+          </a:xfrm>
+          <a:prstGeom prst="rect">
+            <a:avLst/>
+          </a:prstGeom>
+          <a:noFill/>
+        </p:spPr>
+        <p:txBody>
+          <a:bodyPr wrap="none" lIns="91440" tIns="45720" rIns="91440" bIns="45720">
+            <a:spAutoFit/>
+          </a:bodyPr>
+          <a:lstStyle/>
+          <a:p>
+            <a:pPr algn="ctr"/>
+            <a:r>
+              <a:rPr lang="en-US" sz="4000" b="0" cap="none" spc="0" dirty="0">
+                <a:ln w="0"/>
+                <a:solidFill>
+                  <a:schemeClr val="tx1"/>
+                </a:solidFill>
+                <a:effectLst>
+                  <a:outerShdw blurRad="38100" dist="19050" dir="2700000" algn="tl" rotWithShape="0">
+                    <a:schemeClr val="dk1">
+                      <a:alpha val="40000"/>
+                    </a:schemeClr>
+                  </a:outerShdw>
+                </a:effectLst>
+              </a:rPr>
+              <a:t>Teacher and Student. Graded Assignment</a:t>
+            </a:r>
+          </a:p>
+        </p:txBody>
+      </p:sp>
+      <p:sp>
+        <p:nvSpPr>
+          <p:cNvPr id="4" name="Rectangle 3">
+            <a:extLst>
+              <a:ext uri="{FF2B5EF4-FFF2-40B4-BE49-F238E27FC236}">
+                <a16:creationId xmlns:a16="http://schemas.microsoft.com/office/drawing/2014/main" id="{38DCEBF7-F496-4EB6-AC17-4F2FBEF7A0B1}"/>
+              </a:ext>
+            </a:extLst>
+          </p:cNvPr>
+          <p:cNvSpPr/>
+          <p:nvPr/>
+        </p:nvSpPr>
+        <p:spPr>
+          <a:xfrm>
+            <a:off x="401216" y="1810139"/>
+            <a:ext cx="5570376" cy="429208"/>
+          </a:xfrm>
+          <a:prstGeom prst="rect">
+            <a:avLst/>
+          </a:prstGeom>
+          <a:noFill/>
+          <a:ln w="28575"/>
+        </p:spPr>
+        <p:style>
+          <a:lnRef idx="2">
+            <a:schemeClr val="accent1">
+              <a:shade val="50000"/>
+            </a:schemeClr>
+          </a:lnRef>
+          <a:fillRef idx="1">
+            <a:schemeClr val="accent1"/>
+          </a:fillRef>
+          <a:effectRef idx="0">
+            <a:schemeClr val="accent1"/>
+          </a:effectRef>
+          <a:fontRef idx="minor">
+            <a:schemeClr val="lt1"/>
+          </a:fontRef>
+        </p:style>
+        <p:txBody>
+          <a:bodyPr rtlCol="0" anchor="ctr"/>
+          <a:lstStyle/>
+          <a:p>
+            <a:pPr algn="ctr"/>
+            <a:endParaRPr lang="en-US"/>
+          </a:p>
+        </p:txBody>
+      </p:sp>
+      <p:sp>
+        <p:nvSpPr>
+          <p:cNvPr id="5" name="Rectangle 4">
+            <a:extLst>
+              <a:ext uri="{FF2B5EF4-FFF2-40B4-BE49-F238E27FC236}">
+                <a16:creationId xmlns:a16="http://schemas.microsoft.com/office/drawing/2014/main" id="{461EB32F-F7AC-4802-B470-E70CCB8818AE}"/>
+              </a:ext>
+            </a:extLst>
+          </p:cNvPr>
+          <p:cNvSpPr/>
+          <p:nvPr/>
+        </p:nvSpPr>
+        <p:spPr>
+          <a:xfrm>
+            <a:off x="401216" y="2606664"/>
+            <a:ext cx="5570376" cy="2193935"/>
+          </a:xfrm>
+          <a:prstGeom prst="rect">
+            <a:avLst/>
+          </a:prstGeom>
+          <a:noFill/>
+          <a:ln w="28575"/>
+        </p:spPr>
+        <p:style>
+          <a:lnRef idx="2">
+            <a:schemeClr val="accent1">
+              <a:shade val="50000"/>
+            </a:schemeClr>
+          </a:lnRef>
+          <a:fillRef idx="1">
+            <a:schemeClr val="accent1"/>
+          </a:fillRef>
+          <a:effectRef idx="0">
+            <a:schemeClr val="accent1"/>
+          </a:effectRef>
+          <a:fontRef idx="minor">
+            <a:schemeClr val="lt1"/>
+          </a:fontRef>
+        </p:style>
+        <p:txBody>
+          <a:bodyPr rtlCol="0" anchor="ctr"/>
+          <a:lstStyle/>
+          <a:p>
+            <a:pPr algn="ctr"/>
+            <a:endParaRPr lang="en-US"/>
+          </a:p>
+        </p:txBody>
+      </p:sp>
+      <p:sp>
+        <p:nvSpPr>
+          <p:cNvPr id="6" name="Rectangle 5">
+            <a:extLst>
+              <a:ext uri="{FF2B5EF4-FFF2-40B4-BE49-F238E27FC236}">
+                <a16:creationId xmlns:a16="http://schemas.microsoft.com/office/drawing/2014/main" id="{51BB4084-FC68-4F1D-AE73-07B0C094B63D}"/>
+              </a:ext>
+            </a:extLst>
+          </p:cNvPr>
+          <p:cNvSpPr/>
+          <p:nvPr/>
+        </p:nvSpPr>
+        <p:spPr>
+          <a:xfrm>
+            <a:off x="6610738" y="1810139"/>
+            <a:ext cx="1394927" cy="429208"/>
+          </a:xfrm>
+          <a:prstGeom prst="rect">
+            <a:avLst/>
+          </a:prstGeom>
+          <a:noFill/>
+          <a:ln w="28575"/>
+        </p:spPr>
+        <p:style>
+          <a:lnRef idx="2">
+            <a:schemeClr val="accent1">
+              <a:shade val="50000"/>
+            </a:schemeClr>
+          </a:lnRef>
+          <a:fillRef idx="1">
+            <a:schemeClr val="accent1"/>
+          </a:fillRef>
+          <a:effectRef idx="0">
+            <a:schemeClr val="accent1"/>
+          </a:effectRef>
+          <a:fontRef idx="minor">
+            <a:schemeClr val="lt1"/>
+          </a:fontRef>
+        </p:style>
+        <p:txBody>
+          <a:bodyPr rtlCol="0" anchor="ctr"/>
+          <a:lstStyle/>
+          <a:p>
+            <a:pPr algn="ctr"/>
+            <a:endParaRPr lang="en-US"/>
+          </a:p>
+        </p:txBody>
+      </p:sp>
+      <p:sp>
+        <p:nvSpPr>
+          <p:cNvPr id="7" name="Rectangle 6">
+            <a:extLst>
+              <a:ext uri="{FF2B5EF4-FFF2-40B4-BE49-F238E27FC236}">
+                <a16:creationId xmlns:a16="http://schemas.microsoft.com/office/drawing/2014/main" id="{0EAC3431-69BD-4F96-8216-30D7EF22889C}"/>
+              </a:ext>
+            </a:extLst>
+          </p:cNvPr>
+          <p:cNvSpPr/>
+          <p:nvPr/>
+        </p:nvSpPr>
+        <p:spPr>
+          <a:xfrm>
+            <a:off x="6307494" y="2640562"/>
+            <a:ext cx="4460033" cy="2062065"/>
+          </a:xfrm>
+          <a:prstGeom prst="rect">
+            <a:avLst/>
+          </a:prstGeom>
+          <a:noFill/>
+          <a:ln w="28575"/>
+        </p:spPr>
+        <p:style>
+          <a:lnRef idx="2">
+            <a:schemeClr val="accent1">
+              <a:shade val="50000"/>
+            </a:schemeClr>
+          </a:lnRef>
+          <a:fillRef idx="1">
+            <a:schemeClr val="accent1"/>
+          </a:fillRef>
+          <a:effectRef idx="0">
+            <a:schemeClr val="accent1"/>
+          </a:effectRef>
+          <a:fontRef idx="minor">
+            <a:schemeClr val="lt1"/>
+          </a:fontRef>
+        </p:style>
+        <p:txBody>
+          <a:bodyPr rtlCol="0" anchor="ctr"/>
+          <a:lstStyle/>
+          <a:p>
+            <a:pPr algn="ctr"/>
+            <a:endParaRPr lang="en-US"/>
+          </a:p>
+        </p:txBody>
+      </p:sp>
+      <p:sp>
+        <p:nvSpPr>
+          <p:cNvPr id="8" name="Rectangle 7">
+            <a:extLst>
+              <a:ext uri="{FF2B5EF4-FFF2-40B4-BE49-F238E27FC236}">
+                <a16:creationId xmlns:a16="http://schemas.microsoft.com/office/drawing/2014/main" id="{8B303463-ACDD-48B6-A8DC-4079C64FEC0D}"/>
+              </a:ext>
+            </a:extLst>
+          </p:cNvPr>
+          <p:cNvSpPr/>
+          <p:nvPr/>
+        </p:nvSpPr>
+        <p:spPr>
+          <a:xfrm>
+            <a:off x="8955832" y="1810139"/>
+            <a:ext cx="1394927" cy="429208"/>
+          </a:xfrm>
+          <a:prstGeom prst="rect">
+            <a:avLst/>
+          </a:prstGeom>
+          <a:noFill/>
+          <a:ln w="28575"/>
+        </p:spPr>
+        <p:style>
+          <a:lnRef idx="2">
+            <a:schemeClr val="accent1">
+              <a:shade val="50000"/>
+            </a:schemeClr>
+          </a:lnRef>
+          <a:fillRef idx="1">
+            <a:schemeClr val="accent1"/>
+          </a:fillRef>
+          <a:effectRef idx="0">
+            <a:schemeClr val="accent1"/>
+          </a:effectRef>
+          <a:fontRef idx="minor">
+            <a:schemeClr val="lt1"/>
+          </a:fontRef>
+        </p:style>
+        <p:txBody>
+          <a:bodyPr rtlCol="0" anchor="ctr"/>
+          <a:lstStyle/>
+          <a:p>
+            <a:pPr algn="ctr"/>
+            <a:endParaRPr lang="en-US"/>
+          </a:p>
+        </p:txBody>
+      </p:sp>
+      <p:sp>
+        <p:nvSpPr>
+          <p:cNvPr id="9" name="Rectangle 8">
+            <a:extLst>
+              <a:ext uri="{FF2B5EF4-FFF2-40B4-BE49-F238E27FC236}">
+                <a16:creationId xmlns:a16="http://schemas.microsoft.com/office/drawing/2014/main" id="{98E27898-DEC4-41D3-A0A2-34E71D2EF074}"/>
+              </a:ext>
+            </a:extLst>
+          </p:cNvPr>
+          <p:cNvSpPr/>
+          <p:nvPr/>
+        </p:nvSpPr>
+        <p:spPr>
+          <a:xfrm>
+            <a:off x="8254565" y="1516625"/>
+            <a:ext cx="452367" cy="923330"/>
+          </a:xfrm>
+          <a:prstGeom prst="rect">
+            <a:avLst/>
+          </a:prstGeom>
+          <a:noFill/>
+        </p:spPr>
+        <p:txBody>
+          <a:bodyPr wrap="none" lIns="91440" tIns="45720" rIns="91440" bIns="45720">
+            <a:spAutoFit/>
+          </a:bodyPr>
+          <a:lstStyle/>
+          <a:p>
+            <a:pPr algn="ctr"/>
+            <a:r>
+              <a:rPr lang="en-US" sz="5400" b="0" cap="none" spc="0" dirty="0">
+                <a:ln w="0"/>
+                <a:solidFill>
+                  <a:schemeClr val="accent1"/>
+                </a:solidFill>
+                <a:effectLst>
+                  <a:outerShdw blurRad="38100" dist="25400" dir="5400000" algn="ctr" rotWithShape="0">
+                    <a:srgbClr val="6E747A">
+                      <a:alpha val="43000"/>
+                    </a:srgbClr>
+                  </a:outerShdw>
+                </a:effectLst>
+              </a:rPr>
+              <a:t>/</a:t>
+            </a:r>
+          </a:p>
+        </p:txBody>
+      </p:sp>
+      <p:sp>
+        <p:nvSpPr>
+          <p:cNvPr id="10" name="Rectangle 9">
+            <a:extLst>
+              <a:ext uri="{FF2B5EF4-FFF2-40B4-BE49-F238E27FC236}">
+                <a16:creationId xmlns:a16="http://schemas.microsoft.com/office/drawing/2014/main" id="{1FBFB3C7-4A95-49CD-9D29-900DB8A60288}"/>
+              </a:ext>
+            </a:extLst>
+          </p:cNvPr>
+          <p:cNvSpPr/>
+          <p:nvPr/>
+        </p:nvSpPr>
+        <p:spPr>
+          <a:xfrm>
+            <a:off x="9301275" y="1670800"/>
+            <a:ext cx="704039" cy="707886"/>
+          </a:xfrm>
+          <a:prstGeom prst="rect">
+            <a:avLst/>
+          </a:prstGeom>
+          <a:noFill/>
+        </p:spPr>
+        <p:txBody>
+          <a:bodyPr wrap="none" lIns="91440" tIns="45720" rIns="91440" bIns="45720">
+            <a:spAutoFit/>
+          </a:bodyPr>
+          <a:lstStyle/>
+          <a:p>
+            <a:pPr algn="ctr"/>
+            <a:r>
+              <a:rPr lang="en-US" sz="4000" dirty="0">
+                <a:ln w="0"/>
+                <a:solidFill>
+                  <a:srgbClr val="FF0000"/>
+                </a:solidFill>
+                <a:effectLst>
+                  <a:outerShdw blurRad="38100" dist="19050" dir="2700000" algn="tl" rotWithShape="0">
+                    <a:schemeClr val="dk1">
+                      <a:alpha val="40000"/>
+                    </a:schemeClr>
+                  </a:outerShdw>
+                </a:effectLst>
+              </a:rPr>
+              <a:t>10</a:t>
+            </a:r>
+            <a:endParaRPr lang="en-US" sz="4000" b="0" cap="none" spc="0" dirty="0">
+              <a:ln w="0"/>
+              <a:solidFill>
+                <a:srgbClr val="FF0000"/>
+              </a:solidFill>
+              <a:effectLst>
+                <a:outerShdw blurRad="38100" dist="19050" dir="2700000" algn="tl" rotWithShape="0">
+                  <a:schemeClr val="dk1">
+                    <a:alpha val="40000"/>
+                  </a:schemeClr>
+                </a:outerShdw>
+              </a:effectLst>
+            </a:endParaRPr>
+          </a:p>
+        </p:txBody>
+      </p:sp>
+      <p:sp>
+        <p:nvSpPr>
+          <p:cNvPr id="11" name="Rectangle 10">
+            <a:extLst>
+              <a:ext uri="{FF2B5EF4-FFF2-40B4-BE49-F238E27FC236}">
+                <a16:creationId xmlns:a16="http://schemas.microsoft.com/office/drawing/2014/main" id="{7F4ED514-7A5B-4414-ABAB-0CD50E567371}"/>
+              </a:ext>
+            </a:extLst>
+          </p:cNvPr>
+          <p:cNvSpPr/>
+          <p:nvPr/>
+        </p:nvSpPr>
+        <p:spPr>
+          <a:xfrm>
+            <a:off x="401216" y="2721114"/>
+            <a:ext cx="3999941" cy="707886"/>
+          </a:xfrm>
+          <a:prstGeom prst="rect">
+            <a:avLst/>
+          </a:prstGeom>
+          <a:noFill/>
+        </p:spPr>
+        <p:txBody>
+          <a:bodyPr wrap="none" lIns="91440" tIns="45720" rIns="91440" bIns="45720">
+            <a:spAutoFit/>
+          </a:bodyPr>
+          <a:lstStyle/>
+          <a:p>
+            <a:pPr algn="ctr"/>
+            <a:r>
+              <a:rPr lang="en-US" sz="4000" dirty="0">
+                <a:ln w="0"/>
+                <a:solidFill>
+                  <a:srgbClr val="FF0000"/>
+                </a:solidFill>
+                <a:effectLst>
+                  <a:outerShdw blurRad="38100" dist="19050" dir="2700000" algn="tl" rotWithShape="0">
+                    <a:schemeClr val="dk1">
+                      <a:alpha val="40000"/>
+                    </a:schemeClr>
+                  </a:outerShdw>
+                </a:effectLst>
+              </a:rPr>
+              <a:t>Answer of student</a:t>
+            </a:r>
+            <a:endParaRPr lang="en-US" sz="4000" b="0" cap="none" spc="0" dirty="0">
+              <a:ln w="0"/>
+              <a:solidFill>
+                <a:srgbClr val="FF0000"/>
+              </a:solidFill>
+              <a:effectLst>
+                <a:outerShdw blurRad="38100" dist="19050" dir="2700000" algn="tl" rotWithShape="0">
+                  <a:schemeClr val="dk1">
+                    <a:alpha val="40000"/>
+                  </a:schemeClr>
+                </a:outerShdw>
+              </a:effectLst>
+            </a:endParaRPr>
+          </a:p>
+        </p:txBody>
+      </p:sp>
+      <p:sp>
+        <p:nvSpPr>
+          <p:cNvPr id="12" name="Rectangle 11">
+            <a:extLst>
+              <a:ext uri="{FF2B5EF4-FFF2-40B4-BE49-F238E27FC236}">
+                <a16:creationId xmlns:a16="http://schemas.microsoft.com/office/drawing/2014/main" id="{3C961F31-0E93-494F-BA08-29CFC3D69B49}"/>
+              </a:ext>
+            </a:extLst>
+          </p:cNvPr>
+          <p:cNvSpPr/>
+          <p:nvPr/>
+        </p:nvSpPr>
+        <p:spPr>
+          <a:xfrm>
+            <a:off x="516762" y="1713979"/>
+            <a:ext cx="3643177" cy="584775"/>
+          </a:xfrm>
+          <a:prstGeom prst="rect">
+            <a:avLst/>
+          </a:prstGeom>
+          <a:noFill/>
+        </p:spPr>
+        <p:txBody>
+          <a:bodyPr wrap="none" lIns="91440" tIns="45720" rIns="91440" bIns="45720">
+            <a:spAutoFit/>
+          </a:bodyPr>
+          <a:lstStyle/>
+          <a:p>
+            <a:pPr algn="ctr"/>
+            <a:r>
+              <a:rPr lang="en-US" sz="3200" dirty="0">
+                <a:ln w="0"/>
+                <a:solidFill>
+                  <a:srgbClr val="FF0000"/>
+                </a:solidFill>
+                <a:effectLst>
+                  <a:outerShdw blurRad="38100" dist="19050" dir="2700000" algn="tl" rotWithShape="0">
+                    <a:schemeClr val="dk1">
+                      <a:alpha val="40000"/>
+                    </a:schemeClr>
+                  </a:outerShdw>
+                </a:effectLst>
+              </a:rPr>
+              <a:t>Question for student</a:t>
+            </a:r>
+            <a:endParaRPr lang="en-US" sz="3200" b="0" cap="none" spc="0" dirty="0">
+              <a:ln w="0"/>
+              <a:solidFill>
+                <a:srgbClr val="FF0000"/>
+              </a:solidFill>
+              <a:effectLst>
+                <a:outerShdw blurRad="38100" dist="19050" dir="2700000" algn="tl" rotWithShape="0">
+                  <a:schemeClr val="dk1">
+                    <a:alpha val="40000"/>
+                  </a:schemeClr>
+                </a:outerShdw>
+              </a:effectLst>
+            </a:endParaRPr>
+          </a:p>
+        </p:txBody>
+      </p:sp>
+      <p:sp>
+        <p:nvSpPr>
+          <p:cNvPr id="13" name="Rectangle 12">
+            <a:extLst>
+              <a:ext uri="{FF2B5EF4-FFF2-40B4-BE49-F238E27FC236}">
+                <a16:creationId xmlns:a16="http://schemas.microsoft.com/office/drawing/2014/main" id="{66B302E7-C885-4883-9C6E-D15B730B26D2}"/>
+              </a:ext>
+            </a:extLst>
+          </p:cNvPr>
+          <p:cNvSpPr/>
+          <p:nvPr/>
+        </p:nvSpPr>
+        <p:spPr>
+          <a:xfrm>
+            <a:off x="6923001" y="1661470"/>
+            <a:ext cx="704039" cy="707886"/>
+          </a:xfrm>
+          <a:prstGeom prst="rect">
+            <a:avLst/>
+          </a:prstGeom>
+          <a:noFill/>
+        </p:spPr>
+        <p:txBody>
+          <a:bodyPr wrap="none" lIns="91440" tIns="45720" rIns="91440" bIns="45720">
+            <a:spAutoFit/>
+          </a:bodyPr>
+          <a:lstStyle/>
+          <a:p>
+            <a:pPr algn="ctr"/>
+            <a:r>
+              <a:rPr lang="en-US" sz="4000" dirty="0">
+                <a:ln w="0"/>
+                <a:solidFill>
+                  <a:srgbClr val="FF0000"/>
+                </a:solidFill>
+                <a:effectLst>
+                  <a:outerShdw blurRad="38100" dist="19050" dir="2700000" algn="tl" rotWithShape="0">
+                    <a:schemeClr val="dk1">
+                      <a:alpha val="40000"/>
+                    </a:schemeClr>
+                  </a:outerShdw>
+                </a:effectLst>
+              </a:rPr>
+              <a:t>10</a:t>
+            </a:r>
+            <a:endParaRPr lang="en-US" sz="4000" b="0" cap="none" spc="0" dirty="0">
+              <a:ln w="0"/>
+              <a:solidFill>
+                <a:srgbClr val="FF0000"/>
+              </a:solidFill>
+              <a:effectLst>
+                <a:outerShdw blurRad="38100" dist="19050" dir="2700000" algn="tl" rotWithShape="0">
+                  <a:schemeClr val="dk1">
+                    <a:alpha val="40000"/>
+                  </a:schemeClr>
+                </a:outerShdw>
+              </a:effectLst>
+            </a:endParaRPr>
+          </a:p>
+        </p:txBody>
+      </p:sp>
+      <p:sp>
+        <p:nvSpPr>
+          <p:cNvPr id="14" name="Rectangle 13">
+            <a:extLst>
+              <a:ext uri="{FF2B5EF4-FFF2-40B4-BE49-F238E27FC236}">
+                <a16:creationId xmlns:a16="http://schemas.microsoft.com/office/drawing/2014/main" id="{5F946195-4ADC-46D2-8EC1-9CD91EDE9E7A}"/>
+              </a:ext>
+            </a:extLst>
+          </p:cNvPr>
+          <p:cNvSpPr/>
+          <p:nvPr/>
+        </p:nvSpPr>
+        <p:spPr>
+          <a:xfrm>
+            <a:off x="6465549" y="2763723"/>
+            <a:ext cx="2241383" cy="707886"/>
+          </a:xfrm>
+          <a:prstGeom prst="rect">
+            <a:avLst/>
+          </a:prstGeom>
+          <a:noFill/>
+        </p:spPr>
+        <p:txBody>
+          <a:bodyPr wrap="none" lIns="91440" tIns="45720" rIns="91440" bIns="45720">
+            <a:spAutoFit/>
+          </a:bodyPr>
+          <a:lstStyle/>
+          <a:p>
+            <a:pPr algn="ctr"/>
+            <a:r>
+              <a:rPr lang="en-US" sz="4000" dirty="0">
+                <a:ln w="0"/>
+                <a:solidFill>
+                  <a:srgbClr val="FF0000"/>
+                </a:solidFill>
+                <a:effectLst>
+                  <a:outerShdw blurRad="38100" dist="19050" dir="2700000" algn="tl" rotWithShape="0">
+                    <a:schemeClr val="dk1">
+                      <a:alpha val="40000"/>
+                    </a:schemeClr>
+                  </a:outerShdw>
+                </a:effectLst>
+              </a:rPr>
+              <a:t>Comment</a:t>
+            </a:r>
+            <a:endParaRPr lang="en-US" sz="4000" b="0" cap="none" spc="0" dirty="0">
+              <a:ln w="0"/>
+              <a:solidFill>
+                <a:srgbClr val="FF0000"/>
+              </a:solidFill>
+              <a:effectLst>
+                <a:outerShdw blurRad="38100" dist="19050" dir="2700000" algn="tl" rotWithShape="0">
+                  <a:schemeClr val="dk1">
+                    <a:alpha val="40000"/>
+                  </a:schemeClr>
+                </a:outerShdw>
+              </a:effectLst>
+            </a:endParaRPr>
+          </a:p>
+        </p:txBody>
+      </p:sp>
+      <p:sp>
+        <p:nvSpPr>
+          <p:cNvPr id="16" name="Rectangle 15">
+            <a:extLst>
+              <a:ext uri="{FF2B5EF4-FFF2-40B4-BE49-F238E27FC236}">
+                <a16:creationId xmlns:a16="http://schemas.microsoft.com/office/drawing/2014/main" id="{B7504BF0-9351-492E-8DC0-2EA7CEB06D8C}"/>
+              </a:ext>
+            </a:extLst>
+          </p:cNvPr>
+          <p:cNvSpPr/>
+          <p:nvPr/>
+        </p:nvSpPr>
+        <p:spPr>
+          <a:xfrm>
+            <a:off x="9227115" y="4964503"/>
+            <a:ext cx="2419893" cy="523220"/>
+          </a:xfrm>
+          <a:prstGeom prst="rect">
+            <a:avLst/>
+          </a:prstGeom>
+          <a:noFill/>
+        </p:spPr>
+        <p:txBody>
+          <a:bodyPr wrap="none" lIns="91440" tIns="45720" rIns="91440" bIns="45720">
+            <a:spAutoFit/>
+          </a:bodyPr>
+          <a:lstStyle/>
+          <a:p>
+            <a:pPr algn="ctr"/>
+            <a:r>
+              <a:rPr lang="en-US" sz="2800" b="0" cap="none" spc="0" dirty="0">
+                <a:ln w="0"/>
+                <a:solidFill>
+                  <a:schemeClr val="tx1"/>
+                </a:solidFill>
+                <a:effectLst>
+                  <a:outerShdw blurRad="38100" dist="19050" dir="2700000" algn="tl" rotWithShape="0">
+                    <a:schemeClr val="dk1">
+                      <a:alpha val="40000"/>
+                    </a:schemeClr>
+                  </a:outerShdw>
+                </a:effectLst>
+              </a:rPr>
+              <a:t>??? Final Grade</a:t>
+            </a:r>
+          </a:p>
+        </p:txBody>
+      </p:sp>
+      <p:sp>
+        <p:nvSpPr>
+          <p:cNvPr id="17" name="Rectangle 16">
+            <a:extLst>
+              <a:ext uri="{FF2B5EF4-FFF2-40B4-BE49-F238E27FC236}">
+                <a16:creationId xmlns:a16="http://schemas.microsoft.com/office/drawing/2014/main" id="{CFAFE9EE-9E65-4819-8E72-32403ABE1167}"/>
+              </a:ext>
+            </a:extLst>
+          </p:cNvPr>
+          <p:cNvSpPr/>
+          <p:nvPr/>
+        </p:nvSpPr>
+        <p:spPr>
+          <a:xfrm>
+            <a:off x="4159939" y="5514392"/>
+            <a:ext cx="4190959" cy="858416"/>
+          </a:xfrm>
+          <a:prstGeom prst="rect">
+            <a:avLst/>
+          </a:prstGeom>
+        </p:spPr>
+        <p:style>
+          <a:lnRef idx="2">
+            <a:schemeClr val="accent1">
+              <a:shade val="50000"/>
+            </a:schemeClr>
+          </a:lnRef>
+          <a:fillRef idx="1">
+            <a:schemeClr val="accent1"/>
+          </a:fillRef>
+          <a:effectRef idx="0">
+            <a:schemeClr val="accent1"/>
+          </a:effectRef>
+          <a:fontRef idx="minor">
+            <a:schemeClr val="lt1"/>
+          </a:fontRef>
+        </p:style>
+        <p:txBody>
+          <a:bodyPr rtlCol="0" anchor="ctr"/>
+          <a:lstStyle/>
+          <a:p>
+            <a:pPr algn="ctr"/>
+            <a:r>
+              <a:rPr lang="en-US" sz="3600" dirty="0">
+                <a:ln w="0"/>
+                <a:solidFill>
+                  <a:schemeClr val="tx1"/>
+                </a:solidFill>
+                <a:effectLst>
+                  <a:outerShdw blurRad="38100" dist="19050" dir="2700000" algn="tl" rotWithShape="0">
+                    <a:schemeClr val="dk1">
+                      <a:alpha val="40000"/>
+                    </a:schemeClr>
+                  </a:outerShdw>
+                </a:effectLst>
+              </a:rPr>
               <a:t>Go back</a:t>
             </a:r>
           </a:p>
@@ -7600,6 +8176,82 @@
     <p:extLst>
       <p:ext uri="{BB962C8B-B14F-4D97-AF65-F5344CB8AC3E}">
         <p14:creationId xmlns:p14="http://schemas.microsoft.com/office/powerpoint/2010/main" val="3450912715"/>
+      </p:ext>
+    </p:extLst>
+  </p:cSld>
+  <p:clrMapOvr>
+    <a:masterClrMapping/>
+  </p:clrMapOvr>
+</p:sld>
+</file>
+
+<file path=ppt/slides/slide17.xml><?xml version="1.0" encoding="utf-8"?>
+<p:sld xmlns:a="http://schemas.openxmlformats.org/drawingml/2006/main" xmlns:r="http://schemas.openxmlformats.org/officeDocument/2006/relationships" xmlns:p="http://schemas.openxmlformats.org/presentationml/2006/main">
+  <p:cSld>
+    <p:spTree>
+      <p:nvGrpSpPr>
+        <p:cNvPr id="1" name=""/>
+        <p:cNvGrpSpPr/>
+        <p:nvPr/>
+      </p:nvGrpSpPr>
+      <p:grpSpPr>
+        <a:xfrm>
+          <a:off x="0" y="0"/>
+          <a:ext cx="0" cy="0"/>
+          <a:chOff x="0" y="0"/>
+          <a:chExt cx="0" cy="0"/>
+        </a:xfrm>
+      </p:grpSpPr>
+      <p:sp>
+        <p:nvSpPr>
+          <p:cNvPr id="2" name="Rectangle 1">
+            <a:extLst>
+              <a:ext uri="{FF2B5EF4-FFF2-40B4-BE49-F238E27FC236}">
+                <a16:creationId xmlns:a16="http://schemas.microsoft.com/office/drawing/2014/main" id="{CA17B024-71DA-4BEC-973D-9AD08EC2B44E}"/>
+              </a:ext>
+            </a:extLst>
+          </p:cNvPr>
+          <p:cNvSpPr/>
+          <p:nvPr/>
+        </p:nvSpPr>
+        <p:spPr>
+          <a:xfrm>
+            <a:off x="1797933" y="2157504"/>
+            <a:ext cx="9429509" cy="1938992"/>
+          </a:xfrm>
+          <a:prstGeom prst="rect">
+            <a:avLst/>
+          </a:prstGeom>
+        </p:spPr>
+        <p:txBody>
+          <a:bodyPr wrap="square">
+            <a:spAutoFit/>
+          </a:bodyPr>
+          <a:lstStyle/>
+          <a:p>
+            <a:r>
+              <a:rPr lang="en-US" sz="4000" b="1" dirty="0"/>
+              <a:t>1. student - view - completed</a:t>
+            </a:r>
+          </a:p>
+          <a:p>
+            <a:r>
+              <a:rPr lang="en-US" sz="4000" b="1" dirty="0"/>
+              <a:t>2. student &amp; teacher - view - graded</a:t>
+            </a:r>
+          </a:p>
+          <a:p>
+            <a:r>
+              <a:rPr lang="en-US" sz="4000" b="1" dirty="0"/>
+              <a:t>3. teacher - grade - completed</a:t>
+            </a:r>
+          </a:p>
+        </p:txBody>
+      </p:sp>
+    </p:spTree>
+    <p:extLst>
+      <p:ext uri="{BB962C8B-B14F-4D97-AF65-F5344CB8AC3E}">
+        <p14:creationId xmlns:p14="http://schemas.microsoft.com/office/powerpoint/2010/main" val="4056131285"/>
       </p:ext>
     </p:extLst>
   </p:cSld>
